--- a/Synopsis_Report/SynopsisPresentation.pptx
+++ b/Synopsis_Report/SynopsisPresentation.pptx
@@ -243,7 +243,7 @@
           <a:p>
             <a:fld id="{B0AC3275-9D44-403D-A9EB-A3A69884D368}" type="datetimeFigureOut">
               <a:rPr lang="en-US" smtClean="0"/>
-              <a:t>9/8/2020</a:t>
+              <a:t>9/10/2020</a:t>
             </a:fld>
             <a:endParaRPr lang="en-US"/>
           </a:p>
@@ -421,7 +421,7 @@
             <a:fld id="{640C79F9-0E80-4B59-BFBF-922194FB6FE7}" type="datetimeFigureOut">
               <a:rPr lang="en-US" smtClean="0"/>
               <a:pPr/>
-              <a:t>9/8/2020</a:t>
+              <a:t>9/10/2020</a:t>
             </a:fld>
             <a:endParaRPr lang="en-US"/>
           </a:p>
@@ -744,7 +744,7 @@
             <a:fld id="{AD5D2152-08A9-004F-BE32-52A9C6BDFCAD}" type="datetimeFigureOut">
               <a:rPr lang="en-US" smtClean="0"/>
               <a:pPr/>
-              <a:t>9/8/2020</a:t>
+              <a:t>9/10/2020</a:t>
             </a:fld>
             <a:endParaRPr lang="en-US"/>
           </a:p>
@@ -815,13 +815,13 @@
   <p:clrMapOvr>
     <a:masterClrMapping/>
   </p:clrMapOvr>
-  <mc:AlternateContent xmlns:mc="http://schemas.openxmlformats.org/markup-compatibility/2006">
-    <mc:Choice xmlns:p159="http://schemas.microsoft.com/office/powerpoint/2015/09/main" Requires="p159">
+  <mc:AlternateContent xmlns:mc="http://schemas.openxmlformats.org/markup-compatibility/2006" xmlns:p159="http://schemas.microsoft.com/office/powerpoint/2015/09/main">
+    <mc:Choice Requires="p159">
       <p:transition xmlns:p14="http://schemas.microsoft.com/office/powerpoint/2010/main" spd="slow" p14:dur="2000">
         <p159:morph option="byObject"/>
       </p:transition>
     </mc:Choice>
-    <mc:Fallback>
+    <mc:Fallback xmlns="">
       <p:transition spd="slow">
         <p:fade/>
       </p:transition>
@@ -885,7 +885,7 @@
             <a:fld id="{AD5D2152-08A9-004F-BE32-52A9C6BDFCAD}" type="datetimeFigureOut">
               <a:rPr lang="en-US" smtClean="0"/>
               <a:pPr/>
-              <a:t>9/8/2020</a:t>
+              <a:t>9/10/2020</a:t>
             </a:fld>
             <a:endParaRPr lang="en-US"/>
           </a:p>
@@ -1010,13 +1010,13 @@
   <p:clrMapOvr>
     <a:masterClrMapping/>
   </p:clrMapOvr>
-  <mc:AlternateContent xmlns:mc="http://schemas.openxmlformats.org/markup-compatibility/2006">
-    <mc:Choice xmlns:p159="http://schemas.microsoft.com/office/powerpoint/2015/09/main" Requires="p159">
+  <mc:AlternateContent xmlns:mc="http://schemas.openxmlformats.org/markup-compatibility/2006" xmlns:p159="http://schemas.microsoft.com/office/powerpoint/2015/09/main">
+    <mc:Choice Requires="p159">
       <p:transition xmlns:p14="http://schemas.microsoft.com/office/powerpoint/2010/main" spd="slow" p14:dur="2000">
         <p159:morph option="byObject"/>
       </p:transition>
     </mc:Choice>
-    <mc:Fallback>
+    <mc:Fallback xmlns="">
       <p:transition spd="slow">
         <p:fade/>
       </p:transition>
@@ -1060,7 +1060,7 @@
             <a:fld id="{AD5D2152-08A9-004F-BE32-52A9C6BDFCAD}" type="datetimeFigureOut">
               <a:rPr lang="en-US" smtClean="0"/>
               <a:pPr/>
-              <a:t>9/8/2020</a:t>
+              <a:t>9/10/2020</a:t>
             </a:fld>
             <a:endParaRPr lang="en-US"/>
           </a:p>
@@ -1332,13 +1332,13 @@
   <p:clrMapOvr>
     <a:masterClrMapping/>
   </p:clrMapOvr>
-  <mc:AlternateContent xmlns:mc="http://schemas.openxmlformats.org/markup-compatibility/2006">
-    <mc:Choice xmlns:p159="http://schemas.microsoft.com/office/powerpoint/2015/09/main" Requires="p159">
+  <mc:AlternateContent xmlns:mc="http://schemas.openxmlformats.org/markup-compatibility/2006" xmlns:p159="http://schemas.microsoft.com/office/powerpoint/2015/09/main">
+    <mc:Choice Requires="p159">
       <p:transition xmlns:p14="http://schemas.microsoft.com/office/powerpoint/2010/main" spd="slow" p14:dur="2000">
         <p159:morph option="byObject"/>
       </p:transition>
     </mc:Choice>
-    <mc:Fallback>
+    <mc:Fallback xmlns="">
       <p:transition spd="slow">
         <p:fade/>
       </p:transition>
@@ -1456,7 +1456,7 @@
             <a:fld id="{AD5D2152-08A9-004F-BE32-52A9C6BDFCAD}" type="datetimeFigureOut">
               <a:rPr lang="en-US" smtClean="0"/>
               <a:pPr/>
-              <a:t>9/8/2020</a:t>
+              <a:t>9/10/2020</a:t>
             </a:fld>
             <a:endParaRPr lang="en-US"/>
           </a:p>
@@ -1527,13 +1527,13 @@
   <p:clrMapOvr>
     <a:masterClrMapping/>
   </p:clrMapOvr>
-  <mc:AlternateContent xmlns:mc="http://schemas.openxmlformats.org/markup-compatibility/2006">
-    <mc:Choice xmlns:p159="http://schemas.microsoft.com/office/powerpoint/2015/09/main" Requires="p159">
+  <mc:AlternateContent xmlns:mc="http://schemas.openxmlformats.org/markup-compatibility/2006" xmlns:p159="http://schemas.microsoft.com/office/powerpoint/2015/09/main">
+    <mc:Choice Requires="p159">
       <p:transition xmlns:p14="http://schemas.microsoft.com/office/powerpoint/2010/main" spd="slow" p14:dur="2000">
         <p159:morph option="byObject"/>
       </p:transition>
     </mc:Choice>
-    <mc:Fallback>
+    <mc:Fallback xmlns="">
       <p:transition spd="slow">
         <p:fade/>
       </p:transition>
@@ -1591,7 +1591,7 @@
             <a:fld id="{AD5D2152-08A9-004F-BE32-52A9C6BDFCAD}" type="datetimeFigureOut">
               <a:rPr lang="en-US" smtClean="0"/>
               <a:pPr/>
-              <a:t>9/8/2020</a:t>
+              <a:t>9/10/2020</a:t>
             </a:fld>
             <a:endParaRPr lang="en-US"/>
           </a:p>
@@ -1650,13 +1650,13 @@
   <p:clrMapOvr>
     <a:masterClrMapping/>
   </p:clrMapOvr>
-  <mc:AlternateContent xmlns:mc="http://schemas.openxmlformats.org/markup-compatibility/2006">
-    <mc:Choice xmlns:p159="http://schemas.microsoft.com/office/powerpoint/2015/09/main" Requires="p159">
+  <mc:AlternateContent xmlns:mc="http://schemas.openxmlformats.org/markup-compatibility/2006" xmlns:p159="http://schemas.microsoft.com/office/powerpoint/2015/09/main">
+    <mc:Choice Requires="p159">
       <p:transition xmlns:p14="http://schemas.microsoft.com/office/powerpoint/2010/main" spd="slow" p14:dur="2000">
         <p159:morph option="byObject"/>
       </p:transition>
     </mc:Choice>
-    <mc:Fallback>
+    <mc:Fallback xmlns="">
       <p:transition spd="slow">
         <p:fade/>
       </p:transition>
@@ -1825,7 +1825,7 @@
             <a:fld id="{AD5D2152-08A9-004F-BE32-52A9C6BDFCAD}" type="datetimeFigureOut">
               <a:rPr lang="en-US" smtClean="0"/>
               <a:pPr/>
-              <a:t>9/8/2020</a:t>
+              <a:t>9/10/2020</a:t>
             </a:fld>
             <a:endParaRPr lang="en-US"/>
           </a:p>
@@ -1925,13 +1925,13 @@
     <p:sldLayoutId id="2147483663" r:id="rId4"/>
     <p:sldLayoutId id="2147483650" r:id="rId5"/>
   </p:sldLayoutIdLst>
-  <mc:AlternateContent xmlns:mc="http://schemas.openxmlformats.org/markup-compatibility/2006">
-    <mc:Choice xmlns:p159="http://schemas.microsoft.com/office/powerpoint/2015/09/main" Requires="p159">
+  <mc:AlternateContent xmlns:mc="http://schemas.openxmlformats.org/markup-compatibility/2006" xmlns:p159="http://schemas.microsoft.com/office/powerpoint/2015/09/main">
+    <mc:Choice Requires="p159">
       <p:transition xmlns:p14="http://schemas.microsoft.com/office/powerpoint/2010/main" spd="slow" p14:dur="2000">
         <p159:morph option="byObject"/>
       </p:transition>
     </mc:Choice>
-    <mc:Fallback>
+    <mc:Fallback xmlns="">
       <p:transition spd="slow">
         <p:fade/>
       </p:transition>
@@ -2217,13 +2217,13 @@
   <p:clrMapOvr>
     <a:masterClrMapping/>
   </p:clrMapOvr>
-  <mc:AlternateContent xmlns:mc="http://schemas.openxmlformats.org/markup-compatibility/2006">
-    <mc:Choice xmlns:p159="http://schemas.microsoft.com/office/powerpoint/2015/09/main" Requires="p159">
+  <mc:AlternateContent xmlns:mc="http://schemas.openxmlformats.org/markup-compatibility/2006" xmlns:p159="http://schemas.microsoft.com/office/powerpoint/2015/09/main">
+    <mc:Choice Requires="p159">
       <p:transition xmlns:p14="http://schemas.microsoft.com/office/powerpoint/2010/main" spd="slow" p14:dur="2000">
         <p159:morph option="byObject"/>
       </p:transition>
     </mc:Choice>
-    <mc:Fallback>
+    <mc:Fallback xmlns="">
       <p:transition spd="slow">
         <p:fade/>
       </p:transition>
@@ -2270,7 +2270,29 @@
           <a:bodyPr/>
           <a:lstStyle/>
           <a:p>
-            <a:endParaRPr lang="en-IN"/>
+            <a:r>
+              <a:rPr lang="en-US" dirty="0">
+                <a:solidFill>
+                  <a:schemeClr val="tx1">
+                    <a:lumMod val="65000"/>
+                    <a:lumOff val="35000"/>
+                  </a:schemeClr>
+                </a:solidFill>
+                <a:latin typeface="Times New Roman" panose="02020603050405020304" pitchFamily="18" charset="0"/>
+                <a:cs typeface="Times New Roman" panose="02020603050405020304" pitchFamily="18" charset="0"/>
+              </a:rPr>
+              <a:t>VLAN 	Forwarding</a:t>
+            </a:r>
+            <a:endParaRPr lang="en-IN" dirty="0">
+              <a:solidFill>
+                <a:schemeClr val="tx1">
+                  <a:lumMod val="65000"/>
+                  <a:lumOff val="35000"/>
+                </a:schemeClr>
+              </a:solidFill>
+              <a:latin typeface="Times New Roman" panose="02020603050405020304" pitchFamily="18" charset="0"/>
+              <a:cs typeface="Times New Roman" panose="02020603050405020304" pitchFamily="18" charset="0"/>
+            </a:endParaRPr>
           </a:p>
         </p:txBody>
       </p:sp>
@@ -2292,10 +2314,250 @@
         </p:nvSpPr>
         <p:spPr/>
         <p:txBody>
-          <a:bodyPr/>
+          <a:bodyPr>
+            <a:normAutofit lnSpcReduction="10000"/>
+          </a:bodyPr>
           <a:lstStyle/>
           <a:p>
-            <a:endParaRPr lang="en-IN" dirty="0"/>
+            <a:pPr marL="0" indent="0" algn="just">
+              <a:buNone/>
+            </a:pPr>
+            <a:r>
+              <a:rPr lang="en-US" sz="1800" dirty="0">
+                <a:solidFill>
+                  <a:schemeClr val="tx1">
+                    <a:lumMod val="65000"/>
+                    <a:lumOff val="35000"/>
+                  </a:schemeClr>
+                </a:solidFill>
+                <a:latin typeface="Times New Roman" panose="02020603050405020304" pitchFamily="18" charset="0"/>
+                <a:cs typeface="Times New Roman" panose="02020603050405020304" pitchFamily="18" charset="0"/>
+              </a:rPr>
+              <a:t>A VLAN is a group of devices on one or more LANs that are configured to communicate as if they were attached to the same wire, when in fact they are located on a number of   different LAN segments. Because VLANs are based on logical instead of physical connections, they are extremely flexible.</a:t>
+            </a:r>
+          </a:p>
+          <a:p>
+            <a:pPr marL="0" indent="0" algn="just">
+              <a:buNone/>
+            </a:pPr>
+            <a:endParaRPr lang="en-US" sz="1800" dirty="0">
+              <a:solidFill>
+                <a:schemeClr val="tx1">
+                  <a:lumMod val="65000"/>
+                  <a:lumOff val="35000"/>
+                </a:schemeClr>
+              </a:solidFill>
+            </a:endParaRPr>
+          </a:p>
+          <a:p>
+            <a:pPr marL="0" indent="0" algn="just">
+              <a:buNone/>
+            </a:pPr>
+            <a:endParaRPr lang="en-US" sz="1800" dirty="0">
+              <a:solidFill>
+                <a:schemeClr val="tx1">
+                  <a:lumMod val="65000"/>
+                  <a:lumOff val="35000"/>
+                </a:schemeClr>
+              </a:solidFill>
+            </a:endParaRPr>
+          </a:p>
+          <a:p>
+            <a:pPr marL="0" indent="0" algn="just">
+              <a:buNone/>
+            </a:pPr>
+            <a:r>
+              <a:rPr lang="en-US" sz="2000" b="1" dirty="0">
+                <a:solidFill>
+                  <a:schemeClr val="tx1">
+                    <a:lumMod val="65000"/>
+                    <a:lumOff val="35000"/>
+                  </a:schemeClr>
+                </a:solidFill>
+                <a:latin typeface="Times New Roman" panose="02020603050405020304" pitchFamily="18" charset="0"/>
+                <a:cs typeface="Times New Roman" panose="02020603050405020304" pitchFamily="18" charset="0"/>
+              </a:rPr>
+              <a:t>Algorithm for VLAN Forwarding</a:t>
+            </a:r>
+          </a:p>
+          <a:p>
+            <a:pPr marL="0" indent="0" algn="just">
+              <a:buNone/>
+            </a:pPr>
+            <a:endParaRPr lang="en-IN" sz="1800" b="0" i="0" u="none" strike="noStrike" baseline="0" dirty="0">
+              <a:solidFill>
+                <a:schemeClr val="tx1">
+                  <a:lumMod val="65000"/>
+                  <a:lumOff val="35000"/>
+                </a:schemeClr>
+              </a:solidFill>
+              <a:latin typeface="Times New Roman" panose="02020603050405020304" pitchFamily="18" charset="0"/>
+            </a:endParaRPr>
+          </a:p>
+          <a:p>
+            <a:pPr marL="342900" indent="-342900" algn="just">
+              <a:buFont typeface="+mj-lt"/>
+              <a:buAutoNum type="arabicParenR"/>
+            </a:pPr>
+            <a:r>
+              <a:rPr lang="en-US" sz="1800" b="0" i="0" u="none" strike="noStrike" baseline="0" dirty="0">
+                <a:solidFill>
+                  <a:schemeClr val="tx1">
+                    <a:lumMod val="65000"/>
+                    <a:lumOff val="35000"/>
+                  </a:schemeClr>
+                </a:solidFill>
+                <a:latin typeface="Times New Roman" panose="02020603050405020304" pitchFamily="18" charset="0"/>
+              </a:rPr>
+              <a:t>The source machine sends the untagged frame in access mode interface. </a:t>
+            </a:r>
+          </a:p>
+          <a:p>
+            <a:pPr marL="342900" indent="-342900" algn="just">
+              <a:buFont typeface="+mj-lt"/>
+              <a:buAutoNum type="arabicParenR"/>
+            </a:pPr>
+            <a:r>
+              <a:rPr lang="en-US" sz="1800" b="0" i="0" u="none" strike="noStrike" baseline="0" dirty="0">
+                <a:solidFill>
+                  <a:schemeClr val="tx1">
+                    <a:lumMod val="65000"/>
+                    <a:lumOff val="35000"/>
+                  </a:schemeClr>
+                </a:solidFill>
+                <a:latin typeface="Times New Roman" panose="02020603050405020304" pitchFamily="18" charset="0"/>
+              </a:rPr>
+              <a:t>L2 switch receives the frame. Frame is received only to the intended machine. </a:t>
+            </a:r>
+          </a:p>
+          <a:p>
+            <a:pPr marL="342900" indent="-342900" algn="just">
+              <a:buFont typeface="+mj-lt"/>
+              <a:buAutoNum type="arabicParenR"/>
+            </a:pPr>
+            <a:r>
+              <a:rPr lang="en-US" sz="1800" b="0" i="0" u="none" strike="noStrike" baseline="0" dirty="0">
+                <a:solidFill>
+                  <a:schemeClr val="tx1">
+                    <a:lumMod val="65000"/>
+                    <a:lumOff val="35000"/>
+                  </a:schemeClr>
+                </a:solidFill>
+                <a:latin typeface="Times New Roman" panose="02020603050405020304" pitchFamily="18" charset="0"/>
+              </a:rPr>
+              <a:t>L2 switch tags the frame with 802.1q VLAN tagging header corresponding to VLAN ID.</a:t>
+            </a:r>
+          </a:p>
+          <a:p>
+            <a:pPr marL="342900" indent="-342900" algn="just">
+              <a:buFont typeface="+mj-lt"/>
+              <a:buAutoNum type="arabicParenR"/>
+            </a:pPr>
+            <a:r>
+              <a:rPr lang="en-US" sz="1800" dirty="0">
+                <a:solidFill>
+                  <a:schemeClr val="tx1">
+                    <a:lumMod val="65000"/>
+                    <a:lumOff val="35000"/>
+                  </a:schemeClr>
+                </a:solidFill>
+              </a:rPr>
+              <a:t>L2 switch forwards the frame through all the ports that have same VLAN ID that the frame has :</a:t>
+            </a:r>
+          </a:p>
+          <a:p>
+            <a:pPr marL="742941" lvl="1" indent="-342900" algn="just">
+              <a:buFont typeface="+mj-lt"/>
+              <a:buAutoNum type="alphaLcParenR"/>
+            </a:pPr>
+            <a:r>
+              <a:rPr lang="en-US" sz="1400" dirty="0">
+                <a:solidFill>
+                  <a:schemeClr val="tx1">
+                    <a:lumMod val="65000"/>
+                    <a:lumOff val="35000"/>
+                  </a:schemeClr>
+                </a:solidFill>
+              </a:rPr>
+              <a:t>If frame is forwarded to trunk mode interface it remains untagged and further step 4 is followed.</a:t>
+            </a:r>
+          </a:p>
+          <a:p>
+            <a:pPr marL="742941" lvl="1" indent="-342900" algn="just">
+              <a:buFont typeface="+mj-lt"/>
+              <a:buAutoNum type="alphaLcParenR"/>
+            </a:pPr>
+            <a:r>
+              <a:rPr lang="en-US" sz="1400" dirty="0">
+                <a:solidFill>
+                  <a:schemeClr val="tx1">
+                    <a:lumMod val="65000"/>
+                    <a:lumOff val="35000"/>
+                  </a:schemeClr>
+                </a:solidFill>
+              </a:rPr>
+              <a:t>If it is forwarded to access mode tag is removed and step 5 is followed.</a:t>
+            </a:r>
+          </a:p>
+          <a:p>
+            <a:pPr marL="342900" indent="-342900" algn="just">
+              <a:buFont typeface="+mj-lt"/>
+              <a:buAutoNum type="arabicParenR"/>
+            </a:pPr>
+            <a:r>
+              <a:rPr lang="en-US" sz="1800" dirty="0">
+                <a:solidFill>
+                  <a:schemeClr val="tx1">
+                    <a:lumMod val="65000"/>
+                    <a:lumOff val="35000"/>
+                  </a:schemeClr>
+                </a:solidFill>
+              </a:rPr>
+              <a:t>The frame is received by the intended machine.</a:t>
+            </a:r>
+          </a:p>
+          <a:p>
+            <a:pPr marL="342900" indent="-342900" algn="just">
+              <a:buFont typeface="+mj-lt"/>
+              <a:buAutoNum type="arabicParenR"/>
+            </a:pPr>
+            <a:r>
+              <a:rPr lang="en-US" sz="1800" dirty="0">
+                <a:solidFill>
+                  <a:schemeClr val="tx1">
+                    <a:lumMod val="65000"/>
+                    <a:lumOff val="35000"/>
+                  </a:schemeClr>
+                </a:solidFill>
+              </a:rPr>
+              <a:t>END</a:t>
+            </a:r>
+          </a:p>
+          <a:p>
+            <a:pPr marL="0" indent="0" algn="just">
+              <a:buNone/>
+            </a:pPr>
+            <a:endParaRPr lang="en-US" sz="1800" dirty="0">
+              <a:solidFill>
+                <a:schemeClr val="tx1">
+                  <a:lumMod val="65000"/>
+                  <a:lumOff val="35000"/>
+                </a:schemeClr>
+              </a:solidFill>
+            </a:endParaRPr>
+          </a:p>
+          <a:p>
+            <a:pPr marL="0" indent="0" algn="just">
+              <a:buNone/>
+            </a:pPr>
+            <a:endParaRPr lang="en-IN" sz="1800" dirty="0">
+              <a:solidFill>
+                <a:schemeClr val="tx1">
+                  <a:lumMod val="65000"/>
+                  <a:lumOff val="35000"/>
+                </a:schemeClr>
+              </a:solidFill>
+            </a:endParaRPr>
           </a:p>
         </p:txBody>
       </p:sp>
@@ -2339,13 +2601,13 @@
   <p:clrMapOvr>
     <a:masterClrMapping/>
   </p:clrMapOvr>
-  <mc:AlternateContent xmlns:mc="http://schemas.openxmlformats.org/markup-compatibility/2006">
-    <mc:Choice xmlns:p159="http://schemas.microsoft.com/office/powerpoint/2015/09/main" Requires="p159">
+  <mc:AlternateContent xmlns:mc="http://schemas.openxmlformats.org/markup-compatibility/2006" xmlns:p159="http://schemas.microsoft.com/office/powerpoint/2015/09/main">
+    <mc:Choice Requires="p159">
       <p:transition xmlns:p14="http://schemas.microsoft.com/office/powerpoint/2010/main" spd="slow" p14:dur="2000">
         <p159:morph option="byObject"/>
       </p:transition>
     </mc:Choice>
-    <mc:Fallback>
+    <mc:Fallback xmlns="">
       <p:transition spd="slow">
         <p:fade/>
       </p:transition>
@@ -2462,13 +2724,13 @@
   <p:clrMapOvr>
     <a:masterClrMapping/>
   </p:clrMapOvr>
-  <mc:AlternateContent xmlns:mc="http://schemas.openxmlformats.org/markup-compatibility/2006">
-    <mc:Choice xmlns:p159="http://schemas.microsoft.com/office/powerpoint/2015/09/main" Requires="p159">
+  <mc:AlternateContent xmlns:mc="http://schemas.openxmlformats.org/markup-compatibility/2006" xmlns:p159="http://schemas.microsoft.com/office/powerpoint/2015/09/main">
+    <mc:Choice Requires="p159">
       <p:transition xmlns:p14="http://schemas.microsoft.com/office/powerpoint/2010/main" spd="slow" p14:dur="2000">
         <p159:morph option="byObject"/>
       </p:transition>
     </mc:Choice>
-    <mc:Fallback>
+    <mc:Fallback xmlns="">
       <p:transition spd="slow">
         <p:fade/>
       </p:transition>
@@ -2534,13 +2796,13 @@
   <p:clrMapOvr>
     <a:masterClrMapping/>
   </p:clrMapOvr>
-  <mc:AlternateContent xmlns:mc="http://schemas.openxmlformats.org/markup-compatibility/2006">
-    <mc:Choice xmlns:p159="http://schemas.microsoft.com/office/powerpoint/2015/09/main" Requires="p159">
+  <mc:AlternateContent xmlns:mc="http://schemas.openxmlformats.org/markup-compatibility/2006" xmlns:p159="http://schemas.microsoft.com/office/powerpoint/2015/09/main">
+    <mc:Choice Requires="p159">
       <p:transition xmlns:p14="http://schemas.microsoft.com/office/powerpoint/2010/main" spd="slow" p14:dur="2000">
         <p159:morph option="byObject"/>
       </p:transition>
     </mc:Choice>
-    <mc:Fallback>
+    <mc:Fallback xmlns="">
       <p:transition spd="slow">
         <p:fade/>
       </p:transition>
@@ -3232,13 +3494,13 @@
   <p:clrMapOvr>
     <a:masterClrMapping/>
   </p:clrMapOvr>
-  <mc:AlternateContent xmlns:mc="http://schemas.openxmlformats.org/markup-compatibility/2006">
-    <mc:Choice xmlns:p159="http://schemas.microsoft.com/office/powerpoint/2015/09/main" Requires="p159">
+  <mc:AlternateContent xmlns:mc="http://schemas.openxmlformats.org/markup-compatibility/2006" xmlns:p159="http://schemas.microsoft.com/office/powerpoint/2015/09/main">
+    <mc:Choice Requires="p159">
       <p:transition xmlns:p14="http://schemas.microsoft.com/office/powerpoint/2010/main" spd="slow" p14:dur="2000">
         <p159:morph option="byObject"/>
       </p:transition>
     </mc:Choice>
-    <mc:Fallback>
+    <mc:Fallback xmlns="">
       <p:transition spd="slow">
         <p:fade/>
       </p:transition>
@@ -3417,13 +3679,13 @@
   <p:clrMapOvr>
     <a:masterClrMapping/>
   </p:clrMapOvr>
-  <mc:AlternateContent xmlns:mc="http://schemas.openxmlformats.org/markup-compatibility/2006">
-    <mc:Choice xmlns:p159="http://schemas.microsoft.com/office/powerpoint/2015/09/main" Requires="p159">
+  <mc:AlternateContent xmlns:mc="http://schemas.openxmlformats.org/markup-compatibility/2006" xmlns:p159="http://schemas.microsoft.com/office/powerpoint/2015/09/main">
+    <mc:Choice Requires="p159">
       <p:transition xmlns:p14="http://schemas.microsoft.com/office/powerpoint/2010/main" spd="slow" p14:dur="2000">
         <p159:morph option="byObject"/>
       </p:transition>
     </mc:Choice>
-    <mc:Fallback>
+    <mc:Fallback xmlns="">
       <p:transition spd="slow">
         <p:fade/>
       </p:transition>
@@ -3581,13 +3843,13 @@
   <p:clrMapOvr>
     <a:masterClrMapping/>
   </p:clrMapOvr>
-  <mc:AlternateContent xmlns:mc="http://schemas.openxmlformats.org/markup-compatibility/2006">
-    <mc:Choice xmlns:p159="http://schemas.microsoft.com/office/powerpoint/2015/09/main" Requires="p159">
+  <mc:AlternateContent xmlns:mc="http://schemas.openxmlformats.org/markup-compatibility/2006" xmlns:p159="http://schemas.microsoft.com/office/powerpoint/2015/09/main">
+    <mc:Choice Requires="p159">
       <p:transition xmlns:p14="http://schemas.microsoft.com/office/powerpoint/2010/main" spd="slow" p14:dur="2000">
         <p159:morph option="byObject"/>
       </p:transition>
     </mc:Choice>
-    <mc:Fallback>
+    <mc:Fallback xmlns="">
       <p:transition spd="slow">
         <p:fade/>
       </p:transition>
@@ -3837,13 +4099,13 @@
   <p:clrMapOvr>
     <a:masterClrMapping/>
   </p:clrMapOvr>
-  <mc:AlternateContent xmlns:mc="http://schemas.openxmlformats.org/markup-compatibility/2006">
-    <mc:Choice xmlns:p159="http://schemas.microsoft.com/office/powerpoint/2015/09/main" Requires="p159">
+  <mc:AlternateContent xmlns:mc="http://schemas.openxmlformats.org/markup-compatibility/2006" xmlns:p159="http://schemas.microsoft.com/office/powerpoint/2015/09/main">
+    <mc:Choice Requires="p159">
       <p:transition xmlns:p14="http://schemas.microsoft.com/office/powerpoint/2010/main" spd="slow" p14:dur="2000">
         <p159:morph option="byObject"/>
       </p:transition>
     </mc:Choice>
-    <mc:Fallback>
+    <mc:Fallback xmlns="">
       <p:transition spd="slow">
         <p:fade/>
       </p:transition>
@@ -4340,13 +4602,13 @@
   <p:clrMapOvr>
     <a:masterClrMapping/>
   </p:clrMapOvr>
-  <mc:AlternateContent xmlns:mc="http://schemas.openxmlformats.org/markup-compatibility/2006">
-    <mc:Choice xmlns:p159="http://schemas.microsoft.com/office/powerpoint/2015/09/main" Requires="p159">
+  <mc:AlternateContent xmlns:mc="http://schemas.openxmlformats.org/markup-compatibility/2006" xmlns:p159="http://schemas.microsoft.com/office/powerpoint/2015/09/main">
+    <mc:Choice Requires="p159">
       <p:transition xmlns:p14="http://schemas.microsoft.com/office/powerpoint/2010/main" spd="slow" p14:dur="2000">
         <p159:morph option="byObject"/>
       </p:transition>
     </mc:Choice>
-    <mc:Fallback>
+    <mc:Fallback xmlns="">
       <p:transition spd="slow">
         <p:fade/>
       </p:transition>
@@ -4656,13 +4918,13 @@
   <p:clrMapOvr>
     <a:masterClrMapping/>
   </p:clrMapOvr>
-  <mc:AlternateContent xmlns:mc="http://schemas.openxmlformats.org/markup-compatibility/2006">
-    <mc:Choice xmlns:p159="http://schemas.microsoft.com/office/powerpoint/2015/09/main" Requires="p159">
+  <mc:AlternateContent xmlns:mc="http://schemas.openxmlformats.org/markup-compatibility/2006" xmlns:p159="http://schemas.microsoft.com/office/powerpoint/2015/09/main">
+    <mc:Choice Requires="p159">
       <p:transition xmlns:p14="http://schemas.microsoft.com/office/powerpoint/2010/main" spd="slow" p14:dur="2000">
         <p159:morph option="byObject"/>
       </p:transition>
     </mc:Choice>
-    <mc:Fallback>
+    <mc:Fallback xmlns="">
       <p:transition spd="slow">
         <p:fade/>
       </p:transition>
@@ -5027,13 +5289,13 @@
   <p:clrMapOvr>
     <a:masterClrMapping/>
   </p:clrMapOvr>
-  <mc:AlternateContent xmlns:mc="http://schemas.openxmlformats.org/markup-compatibility/2006">
-    <mc:Choice xmlns:p159="http://schemas.microsoft.com/office/powerpoint/2015/09/main" Requires="p159">
+  <mc:AlternateContent xmlns:mc="http://schemas.openxmlformats.org/markup-compatibility/2006" xmlns:p159="http://schemas.microsoft.com/office/powerpoint/2015/09/main">
+    <mc:Choice Requires="p159">
       <p:transition xmlns:p14="http://schemas.microsoft.com/office/powerpoint/2010/main" spd="slow" p14:dur="2000">
         <p159:morph option="byObject"/>
       </p:transition>
     </mc:Choice>
-    <mc:Fallback>
+    <mc:Fallback xmlns="">
       <p:transition spd="slow">
         <p:fade/>
       </p:transition>
@@ -5129,7 +5391,7 @@
           </a:bodyPr>
           <a:lstStyle/>
           <a:p>
-            <a:pPr marL="0" indent="0">
+            <a:pPr marL="0" indent="0" algn="just">
               <a:buNone/>
             </a:pPr>
             <a:r>
@@ -5190,7 +5452,7 @@
             </a:r>
           </a:p>
           <a:p>
-            <a:pPr marL="0" indent="0">
+            <a:pPr marL="0" indent="0" algn="just">
               <a:buNone/>
             </a:pPr>
             <a:endParaRPr lang="en-US" sz="1800" dirty="0">
@@ -5205,7 +5467,7 @@
             </a:endParaRPr>
           </a:p>
           <a:p>
-            <a:pPr marL="0" indent="0">
+            <a:pPr marL="0" indent="0" algn="just">
               <a:buNone/>
             </a:pPr>
             <a:endParaRPr lang="en-US" sz="1800" dirty="0">
@@ -5220,11 +5482,11 @@
             </a:endParaRPr>
           </a:p>
           <a:p>
-            <a:pPr marL="0" indent="0">
+            <a:pPr marL="0" indent="0" algn="just">
               <a:buNone/>
             </a:pPr>
             <a:r>
-              <a:rPr lang="en-US" sz="1800" dirty="0">
+              <a:rPr lang="en-US" sz="2000" b="1" dirty="0">
                 <a:solidFill>
                   <a:schemeClr val="tx1">
                     <a:lumMod val="65000"/>
@@ -5238,7 +5500,7 @@
             </a:r>
           </a:p>
           <a:p>
-            <a:pPr marL="0" indent="0">
+            <a:pPr marL="0" indent="0" algn="just">
               <a:buNone/>
             </a:pPr>
             <a:endParaRPr lang="en-US" sz="1800" dirty="0">
@@ -5253,7 +5515,7 @@
             </a:endParaRPr>
           </a:p>
           <a:p>
-            <a:pPr algn="l"/>
+            <a:pPr algn="just"/>
             <a:endParaRPr lang="en-IN" sz="1800" b="0" i="0" u="none" strike="noStrike" baseline="0" dirty="0">
               <a:solidFill>
                 <a:schemeClr val="tx1">
@@ -5265,7 +5527,7 @@
             </a:endParaRPr>
           </a:p>
           <a:p>
-            <a:pPr marL="342900" indent="-342900">
+            <a:pPr marL="342900" indent="-342900" algn="just">
               <a:buFont typeface="+mj-lt"/>
               <a:buAutoNum type="arabicParenR"/>
             </a:pPr>
@@ -5283,7 +5545,7 @@
             </a:r>
           </a:p>
           <a:p>
-            <a:pPr marL="342900" indent="-342900">
+            <a:pPr marL="342900" indent="-342900" algn="just">
               <a:buFont typeface="+mj-lt"/>
               <a:buAutoNum type="arabicParenR"/>
             </a:pPr>
@@ -5310,7 +5572,7 @@
             </a:endParaRPr>
           </a:p>
           <a:p>
-            <a:pPr marL="742941" lvl="1" indent="-342900">
+            <a:pPr marL="742941" lvl="1" indent="-342900" algn="just">
               <a:buFont typeface="+mj-lt"/>
               <a:buAutoNum type="alphaLcParenR"/>
             </a:pPr>
@@ -5328,7 +5590,7 @@
             </a:r>
           </a:p>
           <a:p>
-            <a:pPr marL="742941" lvl="1" indent="-342900">
+            <a:pPr marL="742941" lvl="1" indent="-342900" algn="just">
               <a:buFont typeface="+mj-lt"/>
               <a:buAutoNum type="alphaLcParenR"/>
             </a:pPr>
@@ -5346,7 +5608,7 @@
             </a:r>
           </a:p>
           <a:p>
-            <a:pPr marL="342900" indent="-342900">
+            <a:pPr marL="342900" indent="-342900" algn="just">
               <a:buFont typeface="+mj-lt"/>
               <a:buAutoNum type="arabicParenR"/>
             </a:pPr>
@@ -5364,7 +5626,7 @@
             </a:r>
           </a:p>
           <a:p>
-            <a:pPr marL="342900" indent="-342900">
+            <a:pPr marL="342900" indent="-342900" algn="just">
               <a:buFont typeface="+mj-lt"/>
               <a:buAutoNum type="arabicParenR"/>
             </a:pPr>
@@ -5393,13 +5655,13 @@
   <p:clrMapOvr>
     <a:masterClrMapping/>
   </p:clrMapOvr>
-  <mc:AlternateContent xmlns:mc="http://schemas.openxmlformats.org/markup-compatibility/2006">
-    <mc:Choice xmlns:p159="http://schemas.microsoft.com/office/powerpoint/2015/09/main" Requires="p159">
+  <mc:AlternateContent xmlns:mc="http://schemas.openxmlformats.org/markup-compatibility/2006" xmlns:p159="http://schemas.microsoft.com/office/powerpoint/2015/09/main">
+    <mc:Choice Requires="p159">
       <p:transition xmlns:p14="http://schemas.microsoft.com/office/powerpoint/2010/main" spd="slow" p14:dur="2000">
         <p159:morph option="byObject"/>
       </p:transition>
     </mc:Choice>
-    <mc:Fallback>
+    <mc:Fallback xmlns="">
       <p:transition spd="slow">
         <p:fade/>
       </p:transition>

--- a/Synopsis_Report/SynopsisPresentation.pptx
+++ b/Synopsis_Report/SynopsisPresentation.pptx
@@ -5,10 +5,10 @@
     <p:sldMasterId id="2147483648" r:id="rId1"/>
   </p:sldMasterIdLst>
   <p:notesMasterIdLst>
-    <p:notesMasterId r:id="rId14"/>
+    <p:notesMasterId r:id="rId13"/>
   </p:notesMasterIdLst>
   <p:handoutMasterIdLst>
-    <p:handoutMasterId r:id="rId15"/>
+    <p:handoutMasterId r:id="rId14"/>
   </p:handoutMasterIdLst>
   <p:sldIdLst>
     <p:sldId id="355" r:id="rId2"/>
@@ -20,9 +20,8 @@
     <p:sldId id="362" r:id="rId8"/>
     <p:sldId id="363" r:id="rId9"/>
     <p:sldId id="364" r:id="rId10"/>
-    <p:sldId id="365" r:id="rId11"/>
-    <p:sldId id="366" r:id="rId12"/>
-    <p:sldId id="358" r:id="rId13"/>
+    <p:sldId id="366" r:id="rId11"/>
+    <p:sldId id="358" r:id="rId12"/>
   </p:sldIdLst>
   <p:sldSz cx="12192000" cy="6858000"/>
   <p:notesSz cx="6858000" cy="9144000"/>
@@ -243,7 +242,7 @@
           <a:p>
             <a:fld id="{B0AC3275-9D44-403D-A9EB-A3A69884D368}" type="datetimeFigureOut">
               <a:rPr lang="en-US" smtClean="0"/>
-              <a:t>9/10/2020</a:t>
+              <a:t>9/14/2020</a:t>
             </a:fld>
             <a:endParaRPr lang="en-US"/>
           </a:p>
@@ -421,7 +420,7 @@
             <a:fld id="{640C79F9-0E80-4B59-BFBF-922194FB6FE7}" type="datetimeFigureOut">
               <a:rPr lang="en-US" smtClean="0"/>
               <a:pPr/>
-              <a:t>9/10/2020</a:t>
+              <a:t>9/14/2020</a:t>
             </a:fld>
             <a:endParaRPr lang="en-US"/>
           </a:p>
@@ -744,7 +743,7 @@
             <a:fld id="{AD5D2152-08A9-004F-BE32-52A9C6BDFCAD}" type="datetimeFigureOut">
               <a:rPr lang="en-US" smtClean="0"/>
               <a:pPr/>
-              <a:t>9/10/2020</a:t>
+              <a:t>9/14/2020</a:t>
             </a:fld>
             <a:endParaRPr lang="en-US"/>
           </a:p>
@@ -885,7 +884,7 @@
             <a:fld id="{AD5D2152-08A9-004F-BE32-52A9C6BDFCAD}" type="datetimeFigureOut">
               <a:rPr lang="en-US" smtClean="0"/>
               <a:pPr/>
-              <a:t>9/10/2020</a:t>
+              <a:t>9/14/2020</a:t>
             </a:fld>
             <a:endParaRPr lang="en-US"/>
           </a:p>
@@ -1060,7 +1059,7 @@
             <a:fld id="{AD5D2152-08A9-004F-BE32-52A9C6BDFCAD}" type="datetimeFigureOut">
               <a:rPr lang="en-US" smtClean="0"/>
               <a:pPr/>
-              <a:t>9/10/2020</a:t>
+              <a:t>9/14/2020</a:t>
             </a:fld>
             <a:endParaRPr lang="en-US"/>
           </a:p>
@@ -1456,7 +1455,7 @@
             <a:fld id="{AD5D2152-08A9-004F-BE32-52A9C6BDFCAD}" type="datetimeFigureOut">
               <a:rPr lang="en-US" smtClean="0"/>
               <a:pPr/>
-              <a:t>9/10/2020</a:t>
+              <a:t>9/14/2020</a:t>
             </a:fld>
             <a:endParaRPr lang="en-US"/>
           </a:p>
@@ -1591,7 +1590,7 @@
             <a:fld id="{AD5D2152-08A9-004F-BE32-52A9C6BDFCAD}" type="datetimeFigureOut">
               <a:rPr lang="en-US" smtClean="0"/>
               <a:pPr/>
-              <a:t>9/10/2020</a:t>
+              <a:t>9/14/2020</a:t>
             </a:fld>
             <a:endParaRPr lang="en-US"/>
           </a:p>
@@ -1825,7 +1824,7 @@
             <a:fld id="{AD5D2152-08A9-004F-BE32-52A9C6BDFCAD}" type="datetimeFigureOut">
               <a:rPr lang="en-US" smtClean="0"/>
               <a:pPr/>
-              <a:t>9/10/2020</a:t>
+              <a:t>9/14/2020</a:t>
             </a:fld>
             <a:endParaRPr lang="en-US"/>
           </a:p>
@@ -2249,390 +2248,6 @@
           <a:chExt cx="0" cy="0"/>
         </a:xfrm>
       </p:grpSpPr>
-      <p:sp>
-        <p:nvSpPr>
-          <p:cNvPr id="2" name="Title 1">
-            <a:extLst>
-              <a:ext uri="{FF2B5EF4-FFF2-40B4-BE49-F238E27FC236}">
-                <a16:creationId xmlns:a16="http://schemas.microsoft.com/office/drawing/2014/main" id="{3DE97397-127F-4481-8B21-048133054304}"/>
-              </a:ext>
-            </a:extLst>
-          </p:cNvPr>
-          <p:cNvSpPr>
-            <a:spLocks noGrp="1"/>
-          </p:cNvSpPr>
-          <p:nvPr>
-            <p:ph type="title"/>
-          </p:nvPr>
-        </p:nvSpPr>
-        <p:spPr/>
-        <p:txBody>
-          <a:bodyPr/>
-          <a:lstStyle/>
-          <a:p>
-            <a:r>
-              <a:rPr lang="en-US" dirty="0">
-                <a:solidFill>
-                  <a:schemeClr val="tx1">
-                    <a:lumMod val="65000"/>
-                    <a:lumOff val="35000"/>
-                  </a:schemeClr>
-                </a:solidFill>
-                <a:latin typeface="Times New Roman" panose="02020603050405020304" pitchFamily="18" charset="0"/>
-                <a:cs typeface="Times New Roman" panose="02020603050405020304" pitchFamily="18" charset="0"/>
-              </a:rPr>
-              <a:t>VLAN 	Forwarding</a:t>
-            </a:r>
-            <a:endParaRPr lang="en-IN" dirty="0">
-              <a:solidFill>
-                <a:schemeClr val="tx1">
-                  <a:lumMod val="65000"/>
-                  <a:lumOff val="35000"/>
-                </a:schemeClr>
-              </a:solidFill>
-              <a:latin typeface="Times New Roman" panose="02020603050405020304" pitchFamily="18" charset="0"/>
-              <a:cs typeface="Times New Roman" panose="02020603050405020304" pitchFamily="18" charset="0"/>
-            </a:endParaRPr>
-          </a:p>
-        </p:txBody>
-      </p:sp>
-      <p:sp>
-        <p:nvSpPr>
-          <p:cNvPr id="3" name="Content Placeholder 2">
-            <a:extLst>
-              <a:ext uri="{FF2B5EF4-FFF2-40B4-BE49-F238E27FC236}">
-                <a16:creationId xmlns:a16="http://schemas.microsoft.com/office/drawing/2014/main" id="{3FC30F5C-EC8E-4905-95B6-846B366BAA30}"/>
-              </a:ext>
-            </a:extLst>
-          </p:cNvPr>
-          <p:cNvSpPr>
-            <a:spLocks noGrp="1"/>
-          </p:cNvSpPr>
-          <p:nvPr>
-            <p:ph idx="1"/>
-          </p:nvPr>
-        </p:nvSpPr>
-        <p:spPr/>
-        <p:txBody>
-          <a:bodyPr>
-            <a:normAutofit lnSpcReduction="10000"/>
-          </a:bodyPr>
-          <a:lstStyle/>
-          <a:p>
-            <a:pPr marL="0" indent="0" algn="just">
-              <a:buNone/>
-            </a:pPr>
-            <a:r>
-              <a:rPr lang="en-US" sz="1800" dirty="0">
-                <a:solidFill>
-                  <a:schemeClr val="tx1">
-                    <a:lumMod val="65000"/>
-                    <a:lumOff val="35000"/>
-                  </a:schemeClr>
-                </a:solidFill>
-                <a:latin typeface="Times New Roman" panose="02020603050405020304" pitchFamily="18" charset="0"/>
-                <a:cs typeface="Times New Roman" panose="02020603050405020304" pitchFamily="18" charset="0"/>
-              </a:rPr>
-              <a:t>A VLAN is a group of devices on one or more LANs that are configured to communicate as if they were attached to the same wire, when in fact they are located on a number of   different LAN segments. Because VLANs are based on logical instead of physical connections, they are extremely flexible.</a:t>
-            </a:r>
-          </a:p>
-          <a:p>
-            <a:pPr marL="0" indent="0" algn="just">
-              <a:buNone/>
-            </a:pPr>
-            <a:endParaRPr lang="en-US" sz="1800" dirty="0">
-              <a:solidFill>
-                <a:schemeClr val="tx1">
-                  <a:lumMod val="65000"/>
-                  <a:lumOff val="35000"/>
-                </a:schemeClr>
-              </a:solidFill>
-            </a:endParaRPr>
-          </a:p>
-          <a:p>
-            <a:pPr marL="0" indent="0" algn="just">
-              <a:buNone/>
-            </a:pPr>
-            <a:endParaRPr lang="en-US" sz="1800" dirty="0">
-              <a:solidFill>
-                <a:schemeClr val="tx1">
-                  <a:lumMod val="65000"/>
-                  <a:lumOff val="35000"/>
-                </a:schemeClr>
-              </a:solidFill>
-            </a:endParaRPr>
-          </a:p>
-          <a:p>
-            <a:pPr marL="0" indent="0" algn="just">
-              <a:buNone/>
-            </a:pPr>
-            <a:r>
-              <a:rPr lang="en-US" sz="2000" b="1" dirty="0">
-                <a:solidFill>
-                  <a:schemeClr val="tx1">
-                    <a:lumMod val="65000"/>
-                    <a:lumOff val="35000"/>
-                  </a:schemeClr>
-                </a:solidFill>
-                <a:latin typeface="Times New Roman" panose="02020603050405020304" pitchFamily="18" charset="0"/>
-                <a:cs typeface="Times New Roman" panose="02020603050405020304" pitchFamily="18" charset="0"/>
-              </a:rPr>
-              <a:t>Algorithm for VLAN Forwarding</a:t>
-            </a:r>
-          </a:p>
-          <a:p>
-            <a:pPr marL="0" indent="0" algn="just">
-              <a:buNone/>
-            </a:pPr>
-            <a:endParaRPr lang="en-IN" sz="1800" b="0" i="0" u="none" strike="noStrike" baseline="0" dirty="0">
-              <a:solidFill>
-                <a:schemeClr val="tx1">
-                  <a:lumMod val="65000"/>
-                  <a:lumOff val="35000"/>
-                </a:schemeClr>
-              </a:solidFill>
-              <a:latin typeface="Times New Roman" panose="02020603050405020304" pitchFamily="18" charset="0"/>
-            </a:endParaRPr>
-          </a:p>
-          <a:p>
-            <a:pPr marL="342900" indent="-342900" algn="just">
-              <a:buFont typeface="+mj-lt"/>
-              <a:buAutoNum type="arabicParenR"/>
-            </a:pPr>
-            <a:r>
-              <a:rPr lang="en-US" sz="1800" b="0" i="0" u="none" strike="noStrike" baseline="0" dirty="0">
-                <a:solidFill>
-                  <a:schemeClr val="tx1">
-                    <a:lumMod val="65000"/>
-                    <a:lumOff val="35000"/>
-                  </a:schemeClr>
-                </a:solidFill>
-                <a:latin typeface="Times New Roman" panose="02020603050405020304" pitchFamily="18" charset="0"/>
-              </a:rPr>
-              <a:t>The source machine sends the untagged frame in access mode interface. </a:t>
-            </a:r>
-          </a:p>
-          <a:p>
-            <a:pPr marL="342900" indent="-342900" algn="just">
-              <a:buFont typeface="+mj-lt"/>
-              <a:buAutoNum type="arabicParenR"/>
-            </a:pPr>
-            <a:r>
-              <a:rPr lang="en-US" sz="1800" b="0" i="0" u="none" strike="noStrike" baseline="0" dirty="0">
-                <a:solidFill>
-                  <a:schemeClr val="tx1">
-                    <a:lumMod val="65000"/>
-                    <a:lumOff val="35000"/>
-                  </a:schemeClr>
-                </a:solidFill>
-                <a:latin typeface="Times New Roman" panose="02020603050405020304" pitchFamily="18" charset="0"/>
-              </a:rPr>
-              <a:t>L2 switch receives the frame. Frame is received only to the intended machine. </a:t>
-            </a:r>
-          </a:p>
-          <a:p>
-            <a:pPr marL="342900" indent="-342900" algn="just">
-              <a:buFont typeface="+mj-lt"/>
-              <a:buAutoNum type="arabicParenR"/>
-            </a:pPr>
-            <a:r>
-              <a:rPr lang="en-US" sz="1800" b="0" i="0" u="none" strike="noStrike" baseline="0" dirty="0">
-                <a:solidFill>
-                  <a:schemeClr val="tx1">
-                    <a:lumMod val="65000"/>
-                    <a:lumOff val="35000"/>
-                  </a:schemeClr>
-                </a:solidFill>
-                <a:latin typeface="Times New Roman" panose="02020603050405020304" pitchFamily="18" charset="0"/>
-              </a:rPr>
-              <a:t>L2 switch tags the frame with 802.1q VLAN tagging header corresponding to VLAN ID.</a:t>
-            </a:r>
-          </a:p>
-          <a:p>
-            <a:pPr marL="342900" indent="-342900" algn="just">
-              <a:buFont typeface="+mj-lt"/>
-              <a:buAutoNum type="arabicParenR"/>
-            </a:pPr>
-            <a:r>
-              <a:rPr lang="en-US" sz="1800" dirty="0">
-                <a:solidFill>
-                  <a:schemeClr val="tx1">
-                    <a:lumMod val="65000"/>
-                    <a:lumOff val="35000"/>
-                  </a:schemeClr>
-                </a:solidFill>
-              </a:rPr>
-              <a:t>L2 switch forwards the frame through all the ports that have same VLAN ID that the frame has :</a:t>
-            </a:r>
-          </a:p>
-          <a:p>
-            <a:pPr marL="742941" lvl="1" indent="-342900" algn="just">
-              <a:buFont typeface="+mj-lt"/>
-              <a:buAutoNum type="alphaLcParenR"/>
-            </a:pPr>
-            <a:r>
-              <a:rPr lang="en-US" sz="1400" dirty="0">
-                <a:solidFill>
-                  <a:schemeClr val="tx1">
-                    <a:lumMod val="65000"/>
-                    <a:lumOff val="35000"/>
-                  </a:schemeClr>
-                </a:solidFill>
-              </a:rPr>
-              <a:t>If frame is forwarded to trunk mode interface it remains untagged and further step 4 is followed.</a:t>
-            </a:r>
-          </a:p>
-          <a:p>
-            <a:pPr marL="742941" lvl="1" indent="-342900" algn="just">
-              <a:buFont typeface="+mj-lt"/>
-              <a:buAutoNum type="alphaLcParenR"/>
-            </a:pPr>
-            <a:r>
-              <a:rPr lang="en-US" sz="1400" dirty="0">
-                <a:solidFill>
-                  <a:schemeClr val="tx1">
-                    <a:lumMod val="65000"/>
-                    <a:lumOff val="35000"/>
-                  </a:schemeClr>
-                </a:solidFill>
-              </a:rPr>
-              <a:t>If it is forwarded to access mode tag is removed and step 5 is followed.</a:t>
-            </a:r>
-          </a:p>
-          <a:p>
-            <a:pPr marL="342900" indent="-342900" algn="just">
-              <a:buFont typeface="+mj-lt"/>
-              <a:buAutoNum type="arabicParenR"/>
-            </a:pPr>
-            <a:r>
-              <a:rPr lang="en-US" sz="1800" dirty="0">
-                <a:solidFill>
-                  <a:schemeClr val="tx1">
-                    <a:lumMod val="65000"/>
-                    <a:lumOff val="35000"/>
-                  </a:schemeClr>
-                </a:solidFill>
-              </a:rPr>
-              <a:t>The frame is received by the intended machine.</a:t>
-            </a:r>
-          </a:p>
-          <a:p>
-            <a:pPr marL="342900" indent="-342900" algn="just">
-              <a:buFont typeface="+mj-lt"/>
-              <a:buAutoNum type="arabicParenR"/>
-            </a:pPr>
-            <a:r>
-              <a:rPr lang="en-US" sz="1800" dirty="0">
-                <a:solidFill>
-                  <a:schemeClr val="tx1">
-                    <a:lumMod val="65000"/>
-                    <a:lumOff val="35000"/>
-                  </a:schemeClr>
-                </a:solidFill>
-              </a:rPr>
-              <a:t>END</a:t>
-            </a:r>
-          </a:p>
-          <a:p>
-            <a:pPr marL="0" indent="0" algn="just">
-              <a:buNone/>
-            </a:pPr>
-            <a:endParaRPr lang="en-US" sz="1800" dirty="0">
-              <a:solidFill>
-                <a:schemeClr val="tx1">
-                  <a:lumMod val="65000"/>
-                  <a:lumOff val="35000"/>
-                </a:schemeClr>
-              </a:solidFill>
-            </a:endParaRPr>
-          </a:p>
-          <a:p>
-            <a:pPr marL="0" indent="0" algn="just">
-              <a:buNone/>
-            </a:pPr>
-            <a:endParaRPr lang="en-IN" sz="1800" dirty="0">
-              <a:solidFill>
-                <a:schemeClr val="tx1">
-                  <a:lumMod val="65000"/>
-                  <a:lumOff val="35000"/>
-                </a:schemeClr>
-              </a:solidFill>
-            </a:endParaRPr>
-          </a:p>
-        </p:txBody>
-      </p:sp>
-      <p:pic>
-        <p:nvPicPr>
-          <p:cNvPr id="4" name="Content Placeholder 4">
-            <a:extLst>
-              <a:ext uri="{FF2B5EF4-FFF2-40B4-BE49-F238E27FC236}">
-                <a16:creationId xmlns:a16="http://schemas.microsoft.com/office/drawing/2014/main" id="{1A123566-D383-4E68-A693-DA760553A178}"/>
-              </a:ext>
-            </a:extLst>
-          </p:cNvPr>
-          <p:cNvPicPr>
-            <a:picLocks noChangeAspect="1"/>
-          </p:cNvPicPr>
-          <p:nvPr/>
-        </p:nvPicPr>
-        <p:blipFill>
-          <a:blip r:embed="rId2"/>
-          <a:stretch>
-            <a:fillRect/>
-          </a:stretch>
-        </p:blipFill>
-        <p:spPr>
-          <a:xfrm rot="10800000" flipV="1">
-            <a:off x="11400815" y="6945578"/>
-            <a:ext cx="178724" cy="87578"/>
-          </a:xfrm>
-          <a:prstGeom prst="rect">
-            <a:avLst/>
-          </a:prstGeom>
-        </p:spPr>
-      </p:pic>
-    </p:spTree>
-    <p:extLst>
-      <p:ext uri="{BB962C8B-B14F-4D97-AF65-F5344CB8AC3E}">
-        <p14:creationId xmlns:p14="http://schemas.microsoft.com/office/powerpoint/2010/main" val="2025109359"/>
-      </p:ext>
-    </p:extLst>
-  </p:cSld>
-  <p:clrMapOvr>
-    <a:masterClrMapping/>
-  </p:clrMapOvr>
-  <mc:AlternateContent xmlns:mc="http://schemas.openxmlformats.org/markup-compatibility/2006" xmlns:p159="http://schemas.microsoft.com/office/powerpoint/2015/09/main">
-    <mc:Choice Requires="p159">
-      <p:transition xmlns:p14="http://schemas.microsoft.com/office/powerpoint/2010/main" spd="slow" p14:dur="2000">
-        <p159:morph option="byObject"/>
-      </p:transition>
-    </mc:Choice>
-    <mc:Fallback xmlns="">
-      <p:transition spd="slow">
-        <p:fade/>
-      </p:transition>
-    </mc:Fallback>
-  </mc:AlternateContent>
-</p:sld>
-</file>
-
-<file path=ppt/slides/slide11.xml><?xml version="1.0" encoding="utf-8"?>
-<p:sld xmlns:a="http://schemas.openxmlformats.org/drawingml/2006/main" xmlns:r="http://schemas.openxmlformats.org/officeDocument/2006/relationships" xmlns:p="http://schemas.openxmlformats.org/presentationml/2006/main">
-  <p:cSld>
-    <p:spTree>
-      <p:nvGrpSpPr>
-        <p:cNvPr id="1" name=""/>
-        <p:cNvGrpSpPr/>
-        <p:nvPr/>
-      </p:nvGrpSpPr>
-      <p:grpSpPr>
-        <a:xfrm>
-          <a:off x="0" y="0"/>
-          <a:ext cx="0" cy="0"/>
-          <a:chOff x="0" y="0"/>
-          <a:chExt cx="0" cy="0"/>
-        </a:xfrm>
-      </p:grpSpPr>
       <p:pic>
         <p:nvPicPr>
           <p:cNvPr id="5" name="Content Placeholder 4">
@@ -2651,14 +2266,13 @@
         </p:nvPicPr>
         <p:blipFill>
           <a:blip r:embed="rId2"/>
-          <a:stretch>
-            <a:fillRect/>
-          </a:stretch>
+          <a:srcRect/>
+          <a:stretch/>
         </p:blipFill>
         <p:spPr>
           <a:xfrm>
-            <a:off x="229837" y="1108953"/>
-            <a:ext cx="11732325" cy="5749047"/>
+            <a:off x="588431" y="1108953"/>
+            <a:ext cx="11015136" cy="5749047"/>
           </a:xfrm>
         </p:spPr>
       </p:pic>
@@ -2739,7 +2353,7 @@
 </p:sld>
 </file>
 
-<file path=ppt/slides/slide12.xml><?xml version="1.0" encoding="utf-8"?>
+<file path=ppt/slides/slide11.xml><?xml version="1.0" encoding="utf-8"?>
 <p:sld xmlns:a="http://schemas.openxmlformats.org/drawingml/2006/main" xmlns:r="http://schemas.openxmlformats.org/officeDocument/2006/relationships" xmlns:p="http://schemas.openxmlformats.org/presentationml/2006/main">
   <p:cSld>
     <p:spTree>
@@ -3779,7 +3393,9 @@
           <a:bodyPr/>
           <a:lstStyle/>
           <a:p>
-            <a:pPr algn="just"/>
+            <a:pPr marL="0" indent="0" algn="ctr">
+              <a:buNone/>
+            </a:pPr>
             <a:r>
               <a:rPr lang="en-US" sz="1800" b="0" i="0" u="none" strike="noStrike" baseline="0" dirty="0">
                 <a:solidFill>
@@ -3792,44 +3408,6 @@
               </a:rPr>
               <a:t>The transmission of data from one device to another without the help of TCP/IP stack is only feasible for a geographically small area but when it comes to worldwide solutions, it is not very appropriate. The problem without the TCP/IP Layer is to transmit data through the shortest path using features like creating ARP Tables and MAC Learning for an optimal resolution. Another problem is to create a network to share the data and a new medium has to be used for transmission every time. </a:t>
             </a:r>
-          </a:p>
-          <a:p>
-            <a:pPr algn="just"/>
-            <a:r>
-              <a:rPr lang="en-US" sz="1800" b="0" i="0" u="none" strike="noStrike" baseline="0" dirty="0">
-                <a:solidFill>
-                  <a:schemeClr val="tx1">
-                    <a:lumMod val="65000"/>
-                    <a:lumOff val="35000"/>
-                  </a:schemeClr>
-                </a:solidFill>
-                <a:latin typeface="Times New Roman" panose="02020603050405020304" pitchFamily="18" charset="0"/>
-              </a:rPr>
-              <a:t>When a packet is transferred from one machine to another in a subnet, the source machine requires the mac address of the destination machine for the frame delivery. Also, when the source machine sends the frame out of it then not only the destination machine but all the machines in that subnet gets the frame and later discards it. This process is called thrashing. </a:t>
-            </a:r>
-          </a:p>
-          <a:p>
-            <a:pPr algn="just"/>
-            <a:r>
-              <a:rPr lang="en-US" sz="1800" b="0" i="0" u="none" strike="noStrike" baseline="0" dirty="0">
-                <a:solidFill>
-                  <a:schemeClr val="tx1">
-                    <a:lumMod val="65000"/>
-                    <a:lumOff val="35000"/>
-                  </a:schemeClr>
-                </a:solidFill>
-                <a:latin typeface="Times New Roman" panose="02020603050405020304" pitchFamily="18" charset="0"/>
-              </a:rPr>
-              <a:t>This project deals with sending frames from one machine to another in the same subnet reducing the problem of thrashing with the help of L2 switching. ARP protocol is implemented to get the MAC addresses corresponding to their IP addresses. </a:t>
-            </a:r>
-            <a:endParaRPr lang="en-IN" dirty="0">
-              <a:solidFill>
-                <a:schemeClr val="tx1">
-                  <a:lumMod val="65000"/>
-                  <a:lumOff val="35000"/>
-                </a:schemeClr>
-              </a:solidFill>
-            </a:endParaRPr>
           </a:p>
         </p:txBody>
       </p:sp>
@@ -4055,24 +3633,15 @@
               </a:rPr>
               <a:t>Implementing ARP, L2 routing, MAC learning and L2 switching</a:t>
             </a:r>
-          </a:p>
-          <a:p>
-            <a:pPr lvl="1" algn="just">
-              <a:buFont typeface="Wingdings" panose="05000000000000000000" pitchFamily="2" charset="2"/>
-              <a:buChar char="q"/>
-            </a:pPr>
-            <a:r>
-              <a:rPr lang="en-IN" sz="1600" b="0" i="0" u="none" strike="noStrike" baseline="0" dirty="0">
-                <a:solidFill>
-                  <a:schemeClr val="tx1">
-                    <a:lumMod val="65000"/>
-                    <a:lumOff val="35000"/>
-                  </a:schemeClr>
-                </a:solidFill>
-                <a:latin typeface="Times New Roman" panose="02020603050405020304" pitchFamily="18" charset="0"/>
-              </a:rPr>
-              <a:t>VLAN forwarding</a:t>
-            </a:r>
+            <a:endParaRPr lang="en-IN" sz="1600" b="0" i="0" u="none" strike="noStrike" baseline="0" dirty="0">
+              <a:solidFill>
+                <a:schemeClr val="tx1">
+                  <a:lumMod val="65000"/>
+                  <a:lumOff val="35000"/>
+                </a:schemeClr>
+              </a:solidFill>
+              <a:latin typeface="Times New Roman" panose="02020603050405020304" pitchFamily="18" charset="0"/>
+            </a:endParaRPr>
           </a:p>
           <a:p>
             <a:pPr marL="0" indent="0" algn="just">
@@ -5391,7 +4960,7 @@
           </a:bodyPr>
           <a:lstStyle/>
           <a:p>
-            <a:pPr marL="0" indent="0" algn="just">
+            <a:pPr marL="0" indent="0">
               <a:buNone/>
             </a:pPr>
             <a:r>
@@ -5452,7 +5021,7 @@
             </a:r>
           </a:p>
           <a:p>
-            <a:pPr marL="0" indent="0" algn="just">
+            <a:pPr marL="0" indent="0">
               <a:buNone/>
             </a:pPr>
             <a:endParaRPr lang="en-US" sz="1800" dirty="0">
@@ -5467,7 +5036,7 @@
             </a:endParaRPr>
           </a:p>
           <a:p>
-            <a:pPr marL="0" indent="0" algn="just">
+            <a:pPr marL="0" indent="0">
               <a:buNone/>
             </a:pPr>
             <a:endParaRPr lang="en-US" sz="1800" dirty="0">
@@ -5482,11 +5051,11 @@
             </a:endParaRPr>
           </a:p>
           <a:p>
-            <a:pPr marL="0" indent="0" algn="just">
+            <a:pPr marL="0" indent="0">
               <a:buNone/>
             </a:pPr>
             <a:r>
-              <a:rPr lang="en-US" sz="2000" b="1" dirty="0">
+              <a:rPr lang="en-US" sz="1800" dirty="0">
                 <a:solidFill>
                   <a:schemeClr val="tx1">
                     <a:lumMod val="65000"/>
@@ -5500,7 +5069,7 @@
             </a:r>
           </a:p>
           <a:p>
-            <a:pPr marL="0" indent="0" algn="just">
+            <a:pPr marL="0" indent="0">
               <a:buNone/>
             </a:pPr>
             <a:endParaRPr lang="en-US" sz="1800" dirty="0">
@@ -5515,7 +5084,7 @@
             </a:endParaRPr>
           </a:p>
           <a:p>
-            <a:pPr algn="just"/>
+            <a:pPr algn="l"/>
             <a:endParaRPr lang="en-IN" sz="1800" b="0" i="0" u="none" strike="noStrike" baseline="0" dirty="0">
               <a:solidFill>
                 <a:schemeClr val="tx1">
@@ -5527,7 +5096,7 @@
             </a:endParaRPr>
           </a:p>
           <a:p>
-            <a:pPr marL="342900" indent="-342900" algn="just">
+            <a:pPr marL="342900" indent="-342900">
               <a:buFont typeface="+mj-lt"/>
               <a:buAutoNum type="arabicParenR"/>
             </a:pPr>
@@ -5545,7 +5114,7 @@
             </a:r>
           </a:p>
           <a:p>
-            <a:pPr marL="342900" indent="-342900" algn="just">
+            <a:pPr marL="342900" indent="-342900">
               <a:buFont typeface="+mj-lt"/>
               <a:buAutoNum type="arabicParenR"/>
             </a:pPr>
@@ -5572,7 +5141,7 @@
             </a:endParaRPr>
           </a:p>
           <a:p>
-            <a:pPr marL="742941" lvl="1" indent="-342900" algn="just">
+            <a:pPr marL="742941" lvl="1" indent="-342900">
               <a:buFont typeface="+mj-lt"/>
               <a:buAutoNum type="alphaLcParenR"/>
             </a:pPr>
@@ -5590,7 +5159,7 @@
             </a:r>
           </a:p>
           <a:p>
-            <a:pPr marL="742941" lvl="1" indent="-342900" algn="just">
+            <a:pPr marL="742941" lvl="1" indent="-342900">
               <a:buFont typeface="+mj-lt"/>
               <a:buAutoNum type="alphaLcParenR"/>
             </a:pPr>
@@ -5608,7 +5177,7 @@
             </a:r>
           </a:p>
           <a:p>
-            <a:pPr marL="342900" indent="-342900" algn="just">
+            <a:pPr marL="342900" indent="-342900">
               <a:buFont typeface="+mj-lt"/>
               <a:buAutoNum type="arabicParenR"/>
             </a:pPr>
@@ -5626,7 +5195,7 @@
             </a:r>
           </a:p>
           <a:p>
-            <a:pPr marL="342900" indent="-342900" algn="just">
+            <a:pPr marL="342900" indent="-342900">
               <a:buFont typeface="+mj-lt"/>
               <a:buAutoNum type="arabicParenR"/>
             </a:pPr>
